--- a/MVP-Summit-Quiz 1.pptx
+++ b/MVP-Summit-Quiz 1.pptx
@@ -1053,7 +1053,7 @@
               <a:rPr lang="en-US" smtClean="0">
                 <a:latin typeface="Segoe UI" pitchFamily="34" charset="0"/>
               </a:rPr>
-              <a:t>3/29/2021 9:01 AM</a:t>
+              <a:t>3/29/2021 1:08 PM</a:t>
             </a:fld>
             <a:endParaRPr lang="en-US">
               <a:latin typeface="Segoe UI" pitchFamily="34" charset="0"/>
@@ -1331,7 +1331,7 @@
           <a:p>
             <a:fld id="{386CE63F-9E7F-4C04-9D0D-FCA25A8E9E86}" type="datetime8">
               <a:rPr lang="en-US" smtClean="0"/>
-              <a:t>3/29/2021 9:01 AM</a:t>
+              <a:t>3/29/2021 1:07 PM</a:t>
             </a:fld>
             <a:endParaRPr lang="en-US"/>
           </a:p>
@@ -1741,7 +1741,7 @@
           <a:p>
             <a:fld id="{386CE63F-9E7F-4C04-9D0D-FCA25A8E9E86}" type="datetime8">
               <a:rPr lang="en-US" smtClean="0"/>
-              <a:t>3/29/2021 9:01 AM</a:t>
+              <a:t>3/29/2021 1:07 PM</a:t>
             </a:fld>
             <a:endParaRPr lang="en-US"/>
           </a:p>
@@ -3430,7 +3430,7 @@
           <a:p>
             <a:fld id="{386CE63F-9E7F-4C04-9D0D-FCA25A8E9E86}" type="datetime8">
               <a:rPr lang="en-US" smtClean="0"/>
-              <a:t>3/29/2021 9:01 AM</a:t>
+              <a:t>3/29/2021 1:07 PM</a:t>
             </a:fld>
             <a:endParaRPr lang="en-US"/>
           </a:p>
@@ -30986,8 +30986,8 @@
         </p:nvSpPr>
         <p:spPr>
           <a:xfrm rot="1262799">
-            <a:off x="7997955" y="1368611"/>
-            <a:ext cx="1843791" cy="783193"/>
+            <a:off x="7997955" y="1402663"/>
+            <a:ext cx="1843791" cy="715089"/>
           </a:xfrm>
           <a:prstGeom prst="roundRect">
             <a:avLst/>
@@ -31023,7 +31023,7 @@
           <a:p>
             <a:pPr algn="ctr"/>
             <a:r>
-              <a:rPr lang="en-US" sz="4000" b="1">
+              <a:rPr lang="en-US" sz="3600" b="1" dirty="0">
                 <a:ln/>
                 <a:solidFill>
                   <a:srgbClr val="FFC000"/>
@@ -31031,7 +31031,7 @@
               </a:rPr>
               <a:t>Virtual</a:t>
             </a:r>
-            <a:endParaRPr lang="en-US" sz="4400" b="1">
+            <a:endParaRPr lang="en-US" sz="4400" b="1" dirty="0">
               <a:ln/>
               <a:solidFill>
                 <a:srgbClr val="FFC000"/>
@@ -36905,12 +36905,6 @@
 </file>
 
 <file path=customXml/item1.xml><?xml version="1.0" encoding="utf-8"?>
-<p:properties xmlns:p="http://schemas.microsoft.com/office/2006/metadata/properties" xmlns:xsi="http://www.w3.org/2001/XMLSchema-instance" xmlns:pc="http://schemas.microsoft.com/office/infopath/2007/PartnerControls">
-  <documentManagement/>
-</p:properties>
-</file>
-
-<file path=customXml/item2.xml><?xml version="1.0" encoding="utf-8"?>
 <?mso-contentType ?>
 <FormTemplates xmlns="http://schemas.microsoft.com/sharepoint/v3/contenttype/forms">
   <Display>DocumentLibraryForm</Display>
@@ -36919,7 +36913,7 @@
 </FormTemplates>
 </file>
 
-<file path=customXml/item3.xml><?xml version="1.0" encoding="utf-8"?>
+<file path=customXml/item2.xml><?xml version="1.0" encoding="utf-8"?>
 <ct:contentTypeSchema xmlns:ct="http://schemas.microsoft.com/office/2006/metadata/contentType" xmlns:ma="http://schemas.microsoft.com/office/2006/metadata/properties/metaAttributes" ct:_="" ma:_="" ma:contentTypeName="Document" ma:contentTypeID="0x010100B5AC499299398148A95C7E07787A3991" ma:contentTypeVersion="5" ma:contentTypeDescription="Create a new document." ma:contentTypeScope="" ma:versionID="b1e80aa610614040450f27dc5727ffca">
   <xsd:schema xmlns:xsd="http://www.w3.org/2001/XMLSchema" xmlns:xs="http://www.w3.org/2001/XMLSchema" xmlns:p="http://schemas.microsoft.com/office/2006/metadata/properties" xmlns:ns2="0c8fbd91-8d19-44e5-b61f-5f0738998dac" targetNamespace="http://schemas.microsoft.com/office/2006/metadata/properties" ma:root="true" ma:fieldsID="32cfad352f73452ce218b7ec969be4c1" ns2:_="">
     <xsd:import namespace="0c8fbd91-8d19-44e5-b61f-5f0738998dac"/>
@@ -37069,7 +37063,39 @@
 </ct:contentTypeSchema>
 </file>
 
+<file path=customXml/item3.xml><?xml version="1.0" encoding="utf-8"?>
+<p:properties xmlns:p="http://schemas.microsoft.com/office/2006/metadata/properties" xmlns:xsi="http://www.w3.org/2001/XMLSchema-instance" xmlns:pc="http://schemas.microsoft.com/office/infopath/2007/PartnerControls">
+  <documentManagement/>
+</p:properties>
+</file>
+
 <file path=customXml/itemProps1.xml><?xml version="1.0" encoding="utf-8"?>
+<ds:datastoreItem xmlns:ds="http://schemas.openxmlformats.org/officeDocument/2006/customXml" ds:itemID="{758FDAC0-319D-4A54-8D8E-1D42CB1F8004}">
+  <ds:schemaRefs>
+    <ds:schemaRef ds:uri="http://schemas.microsoft.com/sharepoint/v3/contenttype/forms"/>
+  </ds:schemaRefs>
+</ds:datastoreItem>
+</file>
+
+<file path=customXml/itemProps2.xml><?xml version="1.0" encoding="utf-8"?>
+<ds:datastoreItem xmlns:ds="http://schemas.openxmlformats.org/officeDocument/2006/customXml" ds:itemID="{FF8B822A-80CB-40E6-8EF3-E813ED067FDB}">
+  <ds:schemaRefs>
+    <ds:schemaRef ds:uri="http://schemas.microsoft.com/office/2006/metadata/contentType"/>
+    <ds:schemaRef ds:uri="http://schemas.microsoft.com/office/2006/metadata/properties/metaAttributes"/>
+    <ds:schemaRef ds:uri="http://www.w3.org/2001/XMLSchema"/>
+    <ds:schemaRef ds:uri="http://schemas.microsoft.com/office/2006/metadata/properties"/>
+    <ds:schemaRef ds:uri="0c8fbd91-8d19-44e5-b61f-5f0738998dac"/>
+    <ds:schemaRef ds:uri="http://schemas.microsoft.com/office/2006/documentManagement/types"/>
+    <ds:schemaRef ds:uri="http://schemas.microsoft.com/office/infopath/2007/PartnerControls"/>
+    <ds:schemaRef ds:uri="http://schemas.openxmlformats.org/package/2006/metadata/core-properties"/>
+    <ds:schemaRef ds:uri="http://purl.org/dc/elements/1.1/"/>
+    <ds:schemaRef ds:uri="http://purl.org/dc/terms/"/>
+    <ds:schemaRef ds:uri="http://schemas.microsoft.com/internal/obd"/>
+  </ds:schemaRefs>
+</ds:datastoreItem>
+</file>
+
+<file path=customXml/itemProps3.xml><?xml version="1.0" encoding="utf-8"?>
 <ds:datastoreItem xmlns:ds="http://schemas.openxmlformats.org/officeDocument/2006/customXml" ds:itemID="{F990F116-B58F-4255-B05B-DA3808E0E5C6}">
   <ds:schemaRefs>
     <ds:schemaRef ds:uri="15e2b59e-971f-41b8-bcf1-75f6af89ff9b"/>
@@ -37088,18 +37114,6 @@
 </ds:datastoreItem>
 </file>
 
-<file path=customXml/itemProps2.xml><?xml version="1.0" encoding="utf-8"?>
-<ds:datastoreItem xmlns:ds="http://schemas.openxmlformats.org/officeDocument/2006/customXml" ds:itemID="{758FDAC0-319D-4A54-8D8E-1D42CB1F8004}">
-  <ds:schemaRefs>
-    <ds:schemaRef ds:uri="http://schemas.microsoft.com/sharepoint/v3/contenttype/forms"/>
-  </ds:schemaRefs>
-</ds:datastoreItem>
-</file>
-
-<file path=customXml/itemProps3.xml><?xml version="1.0" encoding="utf-8"?>
-<ds:datastoreItem xmlns:ds="http://schemas.openxmlformats.org/officeDocument/2006/customXml" ds:itemID="{FF8B822A-80CB-40E6-8EF3-E813ED067FDB}"/>
-</file>
-
 <file path=docMetadata/LabelInfo.xml><?xml version="1.0" encoding="utf-8"?>
 <clbl:labelList xmlns:clbl="http://schemas.microsoft.com/office/2020/mipLabelMetadata">
   <clbl:label id="{f42aa342-8706-4288-bd11-ebb85995028c}" enabled="1" method="Standard" siteId="{72f988bf-86f1-41af-91ab-2d7cd011db47}" removed="0"/>
